--- a/Complimentary Course Content/Module3/Lessons/Module3_Lesson03 C# Fundamentals.pptx
+++ b/Complimentary Course Content/Module3/Lessons/Module3_Lesson03 C# Fundamentals.pptx
@@ -142,7 +142,7 @@
   </p:defaultTextStyle>
   <p:extLst>
     <p:ext uri="{EFAFB233-063F-42B5-8137-9DF3F51BA10A}">
-      <p15:sldGuideLst xmlns="" xmlns:p15="http://schemas.microsoft.com/office/powerpoint/2012/main">
+      <p15:sldGuideLst xmlns:p15="http://schemas.microsoft.com/office/powerpoint/2012/main" xmlns="">
         <p15:guide id="1" orient="horz" pos="2160">
           <p15:clr>
             <a:srgbClr val="A4A3A4"/>
@@ -250,7 +250,7 @@
           <a:p>
             <a:fld id="{49B60EF2-7028-489F-85D8-FE86CD7CF2A0}" type="datetimeFigureOut">
               <a:rPr lang="en-US" smtClean="0"/>
-              <a:t>6/28/16</a:t>
+              <a:t>6/30/16</a:t>
             </a:fld>
             <a:endParaRPr lang="en-US"/>
           </a:p>
@@ -8376,7 +8376,7 @@
           <a:p>
             <a:fld id="{0459C166-16D3-4A25-A2F8-C51E0E346B22}" type="datetimeFigureOut">
               <a:rPr lang="en-US" smtClean="0"/>
-              <a:t>6/28/16</a:t>
+              <a:t>6/30/16</a:t>
             </a:fld>
             <a:endParaRPr lang="en-US"/>
           </a:p>
@@ -8740,7 +8740,7 @@
           <a:p>
             <a:fld id="{0459C166-16D3-4A25-A2F8-C51E0E346B22}" type="datetimeFigureOut">
               <a:rPr lang="en-US" smtClean="0"/>
-              <a:t>6/28/16</a:t>
+              <a:t>6/30/16</a:t>
             </a:fld>
             <a:endParaRPr lang="en-US"/>
           </a:p>
@@ -8857,7 +8857,7 @@
           <a:p>
             <a:fld id="{0459C166-16D3-4A25-A2F8-C51E0E346B22}" type="datetimeFigureOut">
               <a:rPr lang="en-US" smtClean="0"/>
-              <a:t>6/28/16</a:t>
+              <a:t>6/30/16</a:t>
             </a:fld>
             <a:endParaRPr lang="en-US"/>
           </a:p>
@@ -8952,7 +8952,7 @@
           <a:p>
             <a:fld id="{0459C166-16D3-4A25-A2F8-C51E0E346B22}" type="datetimeFigureOut">
               <a:rPr lang="en-US" smtClean="0"/>
-              <a:t>6/28/16</a:t>
+              <a:t>6/30/16</a:t>
             </a:fld>
             <a:endParaRPr lang="en-US"/>
           </a:p>
@@ -9227,7 +9227,7 @@
           <a:p>
             <a:fld id="{0459C166-16D3-4A25-A2F8-C51E0E346B22}" type="datetimeFigureOut">
               <a:rPr lang="en-US" smtClean="0"/>
-              <a:t>6/28/16</a:t>
+              <a:t>6/30/16</a:t>
             </a:fld>
             <a:endParaRPr lang="en-US"/>
           </a:p>
@@ -9479,7 +9479,7 @@
           <a:p>
             <a:fld id="{0459C166-16D3-4A25-A2F8-C51E0E346B22}" type="datetimeFigureOut">
               <a:rPr lang="en-US" smtClean="0"/>
-              <a:t>6/28/16</a:t>
+              <a:t>6/30/16</a:t>
             </a:fld>
             <a:endParaRPr lang="en-US"/>
           </a:p>
@@ -9647,7 +9647,7 @@
           <a:p>
             <a:fld id="{0459C166-16D3-4A25-A2F8-C51E0E346B22}" type="datetimeFigureOut">
               <a:rPr lang="en-US" smtClean="0"/>
-              <a:t>6/28/16</a:t>
+              <a:t>6/30/16</a:t>
             </a:fld>
             <a:endParaRPr lang="en-US"/>
           </a:p>
@@ -9825,7 +9825,7 @@
           <a:p>
             <a:fld id="{0459C166-16D3-4A25-A2F8-C51E0E346B22}" type="datetimeFigureOut">
               <a:rPr lang="en-US" smtClean="0"/>
-              <a:t>6/28/16</a:t>
+              <a:t>6/30/16</a:t>
             </a:fld>
             <a:endParaRPr lang="en-US"/>
           </a:p>
@@ -9993,7 +9993,7 @@
           <a:p>
             <a:fld id="{0459C166-16D3-4A25-A2F8-C51E0E346B22}" type="datetimeFigureOut">
               <a:rPr lang="en-US" smtClean="0"/>
-              <a:t>6/28/16</a:t>
+              <a:t>6/30/16</a:t>
             </a:fld>
             <a:endParaRPr lang="en-US"/>
           </a:p>
@@ -10257,7 +10257,7 @@
             <a:fld id="{0459C166-16D3-4A25-A2F8-C51E0E346B22}" type="datetimeFigureOut">
               <a:rPr lang="en-US" smtClean="0"/>
               <a:pPr/>
-              <a:t>6/28/16</a:t>
+              <a:t>6/30/16</a:t>
             </a:fld>
             <a:endParaRPr lang="en-US"/>
           </a:p>
@@ -10573,7 +10573,7 @@
           <a:p>
             <a:fld id="{0459C166-16D3-4A25-A2F8-C51E0E346B22}" type="datetimeFigureOut">
               <a:rPr lang="en-US" smtClean="0"/>
-              <a:t>6/28/16</a:t>
+              <a:t>6/30/16</a:t>
             </a:fld>
             <a:endParaRPr lang="en-US"/>
           </a:p>
@@ -10965,7 +10965,7 @@
           <a:p>
             <a:fld id="{0459C166-16D3-4A25-A2F8-C51E0E346B22}" type="datetimeFigureOut">
               <a:rPr lang="en-US" smtClean="0"/>
-              <a:t>6/28/16</a:t>
+              <a:t>6/30/16</a:t>
             </a:fld>
             <a:endParaRPr lang="en-US"/>
           </a:p>
@@ -11926,7 +11926,7 @@
           <a:p>
             <a:fld id="{0459C166-16D3-4A25-A2F8-C51E0E346B22}" type="datetimeFigureOut">
               <a:rPr lang="en-US" smtClean="0"/>
-              <a:t>6/28/16</a:t>
+              <a:t>6/30/16</a:t>
             </a:fld>
             <a:endParaRPr lang="en-US"/>
           </a:p>
@@ -12137,7 +12137,7 @@
           <a:p>
             <a:fld id="{0459C166-16D3-4A25-A2F8-C51E0E346B22}" type="datetimeFigureOut">
               <a:rPr lang="en-US" smtClean="0"/>
-              <a:t>6/28/16</a:t>
+              <a:t>6/30/16</a:t>
             </a:fld>
             <a:endParaRPr lang="en-US"/>
           </a:p>
@@ -20404,7 +20404,7 @@
           <p:nvPr>
             <p:extLst>
               <p:ext uri="{D42A27DB-BD31-4B8C-83A1-F6EECF244321}">
-                <p14:modId xmlns:p14="http://schemas.microsoft.com/office/powerpoint/2010/main" val="1547479876"/>
+                <p14:modId xmlns:p14="http://schemas.microsoft.com/office/powerpoint/2010/main" val="3412749824"/>
               </p:ext>
             </p:extLst>
           </p:nvPr>
@@ -20423,14 +20423,14 @@
                 <a:gridCol w="2113439">
                   <a:extLst>
                     <a:ext uri="{9D8B030D-6E8A-4147-A177-3AD203B41FA5}">
-                      <a16:colId xmlns="" xmlns:a16="http://schemas.microsoft.com/office/drawing/2014/main" val="48614039"/>
+                      <a16:colId xmlns:a16="http://schemas.microsoft.com/office/drawing/2014/main" xmlns="" val="48614039"/>
                     </a:ext>
                   </a:extLst>
                 </a:gridCol>
                 <a:gridCol w="3218361">
                   <a:extLst>
                     <a:ext uri="{9D8B030D-6E8A-4147-A177-3AD203B41FA5}">
-                      <a16:colId xmlns="" xmlns:a16="http://schemas.microsoft.com/office/drawing/2014/main" val="1124546490"/>
+                      <a16:colId xmlns:a16="http://schemas.microsoft.com/office/drawing/2014/main" xmlns="" val="1124546490"/>
                     </a:ext>
                   </a:extLst>
                 </a:gridCol>
@@ -20443,7 +20443,7 @@
                     <a:p>
                       <a:pPr algn="ctr"/>
                       <a:r>
-                        <a:rPr lang="en-US" sz="1800" b="0" dirty="0"/>
+                        <a:rPr lang="en-US" sz="1800" b="1" dirty="0"/>
                         <a:t>Operator</a:t>
                       </a:r>
                     </a:p>
@@ -20474,7 +20474,7 @@
                 </a:tc>
                 <a:extLst>
                   <a:ext uri="{0D108BD9-81ED-4DB2-BD59-A6C34878D82A}">
-                    <a16:rowId xmlns="" xmlns:a16="http://schemas.microsoft.com/office/drawing/2014/main" val="679667022"/>
+                    <a16:rowId xmlns:a16="http://schemas.microsoft.com/office/drawing/2014/main" xmlns="" val="679667022"/>
                   </a:ext>
                 </a:extLst>
               </a:tr>
@@ -20485,7 +20485,7 @@
                     <a:lstStyle/>
                     <a:p>
                       <a:r>
-                        <a:rPr lang="en-US" sz="1800" dirty="0"/>
+                        <a:rPr lang="en-US" sz="1800" b="1" dirty="0"/>
                         <a:t>=</a:t>
                       </a:r>
                     </a:p>
@@ -20536,7 +20536,7 @@
                 </a:tc>
                 <a:extLst>
                   <a:ext uri="{0D108BD9-81ED-4DB2-BD59-A6C34878D82A}">
-                    <a16:rowId xmlns="" xmlns:a16="http://schemas.microsoft.com/office/drawing/2014/main" val="2034482246"/>
+                    <a16:rowId xmlns:a16="http://schemas.microsoft.com/office/drawing/2014/main" xmlns="" val="2034482246"/>
                   </a:ext>
                 </a:extLst>
               </a:tr>
@@ -20547,7 +20547,7 @@
                     <a:lstStyle/>
                     <a:p>
                       <a:r>
-                        <a:rPr lang="en-US" sz="1800" dirty="0"/>
+                        <a:rPr lang="en-US" sz="1800" b="1" dirty="0"/>
                         <a:t>==, !=</a:t>
                       </a:r>
                     </a:p>
@@ -20581,7 +20581,7 @@
                 </a:tc>
                 <a:extLst>
                   <a:ext uri="{0D108BD9-81ED-4DB2-BD59-A6C34878D82A}">
-                    <a16:rowId xmlns="" xmlns:a16="http://schemas.microsoft.com/office/drawing/2014/main" val="682465758"/>
+                    <a16:rowId xmlns:a16="http://schemas.microsoft.com/office/drawing/2014/main" xmlns="" val="682465758"/>
                   </a:ext>
                 </a:extLst>
               </a:tr>
@@ -20592,7 +20592,7 @@
                     <a:lstStyle/>
                     <a:p>
                       <a:r>
-                        <a:rPr lang="en-US" sz="1800" dirty="0"/>
+                        <a:rPr lang="en-US" sz="1800" b="1" dirty="0"/>
                         <a:t>*, /</a:t>
                       </a:r>
                     </a:p>
@@ -20626,7 +20626,7 @@
                 </a:tc>
                 <a:extLst>
                   <a:ext uri="{0D108BD9-81ED-4DB2-BD59-A6C34878D82A}">
-                    <a16:rowId xmlns="" xmlns:a16="http://schemas.microsoft.com/office/drawing/2014/main" val="3789197842"/>
+                    <a16:rowId xmlns:a16="http://schemas.microsoft.com/office/drawing/2014/main" xmlns="" val="3789197842"/>
                   </a:ext>
                 </a:extLst>
               </a:tr>
@@ -20637,14 +20637,14 @@
                     <a:lstStyle/>
                     <a:p>
                       <a:r>
-                        <a:rPr lang="en-US" sz="1800" dirty="0"/>
+                        <a:rPr lang="en-US" sz="1800" b="1" dirty="0"/>
                         <a:t>+,</a:t>
                       </a:r>
                       <a:r>
-                        <a:rPr lang="en-US" sz="1800" baseline="0" dirty="0"/>
+                        <a:rPr lang="en-US" sz="1800" b="1" baseline="0" dirty="0"/>
                         <a:t> -</a:t>
                       </a:r>
-                      <a:endParaRPr lang="en-US" sz="1800" dirty="0"/>
+                      <a:endParaRPr lang="en-US" sz="1800" b="1" dirty="0"/>
                     </a:p>
                   </a:txBody>
                   <a:tcPr>
@@ -20681,7 +20681,7 @@
                 </a:tc>
                 <a:extLst>
                   <a:ext uri="{0D108BD9-81ED-4DB2-BD59-A6C34878D82A}">
-                    <a16:rowId xmlns="" xmlns:a16="http://schemas.microsoft.com/office/drawing/2014/main" val="260802120"/>
+                    <a16:rowId xmlns:a16="http://schemas.microsoft.com/office/drawing/2014/main" xmlns="" val="260802120"/>
                   </a:ext>
                 </a:extLst>
               </a:tr>
@@ -20692,7 +20692,7 @@
                     <a:lstStyle/>
                     <a:p>
                       <a:r>
-                        <a:rPr lang="en-US" sz="1800" dirty="0"/>
+                        <a:rPr lang="en-US" sz="1800" b="1" dirty="0"/>
                         <a:t>%</a:t>
                       </a:r>
                     </a:p>
@@ -20726,7 +20726,7 @@
                 </a:tc>
                 <a:extLst>
                   <a:ext uri="{0D108BD9-81ED-4DB2-BD59-A6C34878D82A}">
-                    <a16:rowId xmlns="" xmlns:a16="http://schemas.microsoft.com/office/drawing/2014/main" val="3288962197"/>
+                    <a16:rowId xmlns:a16="http://schemas.microsoft.com/office/drawing/2014/main" xmlns="" val="3288962197"/>
                   </a:ext>
                 </a:extLst>
               </a:tr>
@@ -20737,7 +20737,7 @@
                     <a:lstStyle/>
                     <a:p>
                       <a:r>
-                        <a:rPr lang="en-US" sz="1800" dirty="0"/>
+                        <a:rPr lang="en-US" sz="1800" b="1" dirty="0"/>
                         <a:t>&gt;, &gt;=</a:t>
                       </a:r>
                     </a:p>
@@ -20771,7 +20771,7 @@
                 </a:tc>
                 <a:extLst>
                   <a:ext uri="{0D108BD9-81ED-4DB2-BD59-A6C34878D82A}">
-                    <a16:rowId xmlns="" xmlns:a16="http://schemas.microsoft.com/office/drawing/2014/main" val="2257052488"/>
+                    <a16:rowId xmlns:a16="http://schemas.microsoft.com/office/drawing/2014/main" xmlns="" val="2257052488"/>
                   </a:ext>
                 </a:extLst>
               </a:tr>
@@ -20782,7 +20782,7 @@
                     <a:lstStyle/>
                     <a:p>
                       <a:r>
-                        <a:rPr lang="en-US" sz="1800" dirty="0"/>
+                        <a:rPr lang="en-US" sz="1800" b="1" dirty="0"/>
                         <a:t>&lt;, &lt;=</a:t>
                       </a:r>
                     </a:p>
@@ -20816,7 +20816,7 @@
                 </a:tc>
                 <a:extLst>
                   <a:ext uri="{0D108BD9-81ED-4DB2-BD59-A6C34878D82A}">
-                    <a16:rowId xmlns="" xmlns:a16="http://schemas.microsoft.com/office/drawing/2014/main" val="1071372612"/>
+                    <a16:rowId xmlns:a16="http://schemas.microsoft.com/office/drawing/2014/main" xmlns="" val="1071372612"/>
                   </a:ext>
                 </a:extLst>
               </a:tr>
@@ -20827,7 +20827,7 @@
                     <a:lstStyle/>
                     <a:p>
                       <a:r>
-                        <a:rPr lang="en-US" sz="1800" dirty="0"/>
+                        <a:rPr lang="en-US" sz="1800" b="1" dirty="0"/>
                         <a:t>&amp;</a:t>
                       </a:r>
                     </a:p>
@@ -20866,7 +20866,7 @@
                 </a:tc>
                 <a:extLst>
                   <a:ext uri="{0D108BD9-81ED-4DB2-BD59-A6C34878D82A}">
-                    <a16:rowId xmlns="" xmlns:a16="http://schemas.microsoft.com/office/drawing/2014/main" val="1426172452"/>
+                    <a16:rowId xmlns:a16="http://schemas.microsoft.com/office/drawing/2014/main" xmlns="" val="1426172452"/>
                   </a:ext>
                 </a:extLst>
               </a:tr>
@@ -20877,7 +20877,7 @@
                     <a:lstStyle/>
                     <a:p>
                       <a:r>
-                        <a:rPr lang="en-US" sz="1800" dirty="0"/>
+                        <a:rPr lang="en-US" sz="1800" b="1" dirty="0"/>
                         <a:t>^</a:t>
                       </a:r>
                     </a:p>
@@ -20916,7 +20916,7 @@
                 </a:tc>
                 <a:extLst>
                   <a:ext uri="{0D108BD9-81ED-4DB2-BD59-A6C34878D82A}">
-                    <a16:rowId xmlns="" xmlns:a16="http://schemas.microsoft.com/office/drawing/2014/main" val="2492553239"/>
+                    <a16:rowId xmlns:a16="http://schemas.microsoft.com/office/drawing/2014/main" xmlns="" val="2492553239"/>
                   </a:ext>
                 </a:extLst>
               </a:tr>
@@ -20933,13 +20933,13 @@
           <p:nvPr>
             <p:extLst>
               <p:ext uri="{D42A27DB-BD31-4B8C-83A1-F6EECF244321}">
-                <p14:modId xmlns:p14="http://schemas.microsoft.com/office/powerpoint/2010/main" val="1141273068"/>
+                <p14:modId xmlns:p14="http://schemas.microsoft.com/office/powerpoint/2010/main" val="61314630"/>
               </p:ext>
             </p:extLst>
           </p:nvPr>
         </p:nvGraphicFramePr>
         <p:xfrm>
-          <a:off x="6379997" y="2638217"/>
+          <a:off x="6379997" y="2821097"/>
           <a:ext cx="5211030" cy="3291840"/>
         </p:xfrm>
         <a:graphic>
@@ -20952,14 +20952,14 @@
                 <a:gridCol w="2065568">
                   <a:extLst>
                     <a:ext uri="{9D8B030D-6E8A-4147-A177-3AD203B41FA5}">
-                      <a16:colId xmlns="" xmlns:a16="http://schemas.microsoft.com/office/drawing/2014/main" val="48614039"/>
+                      <a16:colId xmlns:a16="http://schemas.microsoft.com/office/drawing/2014/main" xmlns="" val="48614039"/>
                     </a:ext>
                   </a:extLst>
                 </a:gridCol>
                 <a:gridCol w="3145462">
                   <a:extLst>
                     <a:ext uri="{9D8B030D-6E8A-4147-A177-3AD203B41FA5}">
-                      <a16:colId xmlns="" xmlns:a16="http://schemas.microsoft.com/office/drawing/2014/main" val="1124546490"/>
+                      <a16:colId xmlns:a16="http://schemas.microsoft.com/office/drawing/2014/main" xmlns="" val="1124546490"/>
                     </a:ext>
                   </a:extLst>
                 </a:gridCol>
@@ -20972,7 +20972,7 @@
                     <a:p>
                       <a:pPr algn="ctr"/>
                       <a:r>
-                        <a:rPr lang="en-US" sz="1800" b="0" dirty="0"/>
+                        <a:rPr lang="en-US" sz="1800" b="1" dirty="0"/>
                         <a:t>Operator</a:t>
                       </a:r>
                     </a:p>
@@ -21003,7 +21003,7 @@
                 </a:tc>
                 <a:extLst>
                   <a:ext uri="{0D108BD9-81ED-4DB2-BD59-A6C34878D82A}">
-                    <a16:rowId xmlns="" xmlns:a16="http://schemas.microsoft.com/office/drawing/2014/main" val="679667022"/>
+                    <a16:rowId xmlns:a16="http://schemas.microsoft.com/office/drawing/2014/main" xmlns="" val="679667022"/>
                   </a:ext>
                 </a:extLst>
               </a:tr>
@@ -21014,7 +21014,7 @@
                     <a:lstStyle/>
                     <a:p>
                       <a:r>
-                        <a:rPr lang="en-US" sz="1800" dirty="0"/>
+                        <a:rPr lang="en-US" sz="1800" b="1" dirty="0"/>
                         <a:t>|</a:t>
                       </a:r>
                     </a:p>
@@ -21065,7 +21065,7 @@
                 </a:tc>
                 <a:extLst>
                   <a:ext uri="{0D108BD9-81ED-4DB2-BD59-A6C34878D82A}">
-                    <a16:rowId xmlns="" xmlns:a16="http://schemas.microsoft.com/office/drawing/2014/main" val="3565006413"/>
+                    <a16:rowId xmlns:a16="http://schemas.microsoft.com/office/drawing/2014/main" xmlns="" val="3565006413"/>
                   </a:ext>
                 </a:extLst>
               </a:tr>
@@ -21076,7 +21076,7 @@
                     <a:lstStyle/>
                     <a:p>
                       <a:r>
-                        <a:rPr lang="en-US" sz="1800" dirty="0"/>
+                        <a:rPr lang="en-US" sz="1800" b="1" dirty="0"/>
                         <a:t>x++</a:t>
                       </a:r>
                     </a:p>
@@ -21132,7 +21132,7 @@
                 </a:tc>
                 <a:extLst>
                   <a:ext uri="{0D108BD9-81ED-4DB2-BD59-A6C34878D82A}">
-                    <a16:rowId xmlns="" xmlns:a16="http://schemas.microsoft.com/office/drawing/2014/main" val="2034482246"/>
+                    <a16:rowId xmlns:a16="http://schemas.microsoft.com/office/drawing/2014/main" xmlns="" val="2034482246"/>
                   </a:ext>
                 </a:extLst>
               </a:tr>
@@ -21143,7 +21143,7 @@
                     <a:lstStyle/>
                     <a:p>
                       <a:r>
-                        <a:rPr lang="en-US" sz="1800" dirty="0"/>
+                        <a:rPr lang="en-US" sz="1800" b="1" dirty="0"/>
                         <a:t>x+=n</a:t>
                       </a:r>
                     </a:p>
@@ -21177,7 +21177,7 @@
                 </a:tc>
                 <a:extLst>
                   <a:ext uri="{0D108BD9-81ED-4DB2-BD59-A6C34878D82A}">
-                    <a16:rowId xmlns="" xmlns:a16="http://schemas.microsoft.com/office/drawing/2014/main" val="682465758"/>
+                    <a16:rowId xmlns:a16="http://schemas.microsoft.com/office/drawing/2014/main" xmlns="" val="682465758"/>
                   </a:ext>
                 </a:extLst>
               </a:tr>
@@ -21188,7 +21188,7 @@
                     <a:lstStyle/>
                     <a:p>
                       <a:r>
-                        <a:rPr lang="en-US" sz="1800" dirty="0"/>
+                        <a:rPr lang="en-US" sz="1800" b="1" dirty="0"/>
                         <a:t>x*=n</a:t>
                       </a:r>
                     </a:p>
@@ -21227,7 +21227,7 @@
                 </a:tc>
                 <a:extLst>
                   <a:ext uri="{0D108BD9-81ED-4DB2-BD59-A6C34878D82A}">
-                    <a16:rowId xmlns="" xmlns:a16="http://schemas.microsoft.com/office/drawing/2014/main" val="3789197842"/>
+                    <a16:rowId xmlns:a16="http://schemas.microsoft.com/office/drawing/2014/main" xmlns="" val="3789197842"/>
                   </a:ext>
                 </a:extLst>
               </a:tr>
@@ -21238,7 +21238,7 @@
                     <a:lstStyle/>
                     <a:p>
                       <a:r>
-                        <a:rPr lang="en-US" sz="1800" dirty="0"/>
+                        <a:rPr lang="en-US" sz="1800" b="1" dirty="0"/>
                         <a:t>x-=n</a:t>
                       </a:r>
                     </a:p>
@@ -21277,7 +21277,7 @@
                 </a:tc>
                 <a:extLst>
                   <a:ext uri="{0D108BD9-81ED-4DB2-BD59-A6C34878D82A}">
-                    <a16:rowId xmlns="" xmlns:a16="http://schemas.microsoft.com/office/drawing/2014/main" val="260802120"/>
+                    <a16:rowId xmlns:a16="http://schemas.microsoft.com/office/drawing/2014/main" xmlns="" val="260802120"/>
                   </a:ext>
                 </a:extLst>
               </a:tr>
@@ -21288,7 +21288,7 @@
                     <a:lstStyle/>
                     <a:p>
                       <a:r>
-                        <a:rPr lang="en-US" sz="1800" dirty="0"/>
+                        <a:rPr lang="en-US" sz="1800" b="1" dirty="0"/>
                         <a:t>&amp;&amp;</a:t>
                       </a:r>
                     </a:p>
@@ -21327,7 +21327,7 @@
                 </a:tc>
                 <a:extLst>
                   <a:ext uri="{0D108BD9-81ED-4DB2-BD59-A6C34878D82A}">
-                    <a16:rowId xmlns="" xmlns:a16="http://schemas.microsoft.com/office/drawing/2014/main" val="3288962197"/>
+                    <a16:rowId xmlns:a16="http://schemas.microsoft.com/office/drawing/2014/main" xmlns="" val="3288962197"/>
                   </a:ext>
                 </a:extLst>
               </a:tr>
@@ -21338,7 +21338,7 @@
                     <a:lstStyle/>
                     <a:p>
                       <a:r>
-                        <a:rPr lang="en-US" sz="1800" dirty="0"/>
+                        <a:rPr lang="en-US" sz="1800" b="1" dirty="0"/>
                         <a:t>||</a:t>
                       </a:r>
                     </a:p>
@@ -21372,7 +21372,7 @@
                 </a:tc>
                 <a:extLst>
                   <a:ext uri="{0D108BD9-81ED-4DB2-BD59-A6C34878D82A}">
-                    <a16:rowId xmlns="" xmlns:a16="http://schemas.microsoft.com/office/drawing/2014/main" val="2257052488"/>
+                    <a16:rowId xmlns:a16="http://schemas.microsoft.com/office/drawing/2014/main" xmlns="" val="2257052488"/>
                   </a:ext>
                 </a:extLst>
               </a:tr>
@@ -21383,7 +21383,7 @@
                     <a:lstStyle/>
                     <a:p>
                       <a:r>
-                        <a:rPr lang="en-US" sz="1800" dirty="0"/>
+                        <a:rPr lang="en-US" sz="1800" b="1" dirty="0"/>
                         <a:t>!</a:t>
                       </a:r>
                     </a:p>
@@ -21417,7 +21417,7 @@
                 </a:tc>
                 <a:extLst>
                   <a:ext uri="{0D108BD9-81ED-4DB2-BD59-A6C34878D82A}">
-                    <a16:rowId xmlns="" xmlns:a16="http://schemas.microsoft.com/office/drawing/2014/main" val="1071372612"/>
+                    <a16:rowId xmlns:a16="http://schemas.microsoft.com/office/drawing/2014/main" xmlns="" val="1071372612"/>
                   </a:ext>
                 </a:extLst>
               </a:tr>
@@ -26511,7 +26511,7 @@
   <a:extraClrSchemeLst/>
   <a:extLst>
     <a:ext uri="{05A4C25C-085E-4340-85A3-A5531E510DB2}">
-      <thm15:themeFamily xmlns="" xmlns:thm15="http://schemas.microsoft.com/office/thememl/2012/main" name="Office Theme" id="{62F939B6-93AF-4DB8-9C6B-D6C7DFDC589F}" vid="{4A3C46E8-61CC-4603-A589-7422A47A8E4A}"/>
+      <thm15:themeFamily xmlns:thm15="http://schemas.microsoft.com/office/thememl/2012/main" xmlns="" name="Office Theme" id="{62F939B6-93AF-4DB8-9C6B-D6C7DFDC589F}" vid="{4A3C46E8-61CC-4603-A589-7422A47A8E4A}"/>
     </a:ext>
   </a:extLst>
 </a:theme>
@@ -26806,7 +26806,7 @@
   <a:extraClrSchemeLst/>
   <a:extLst>
     <a:ext uri="{05A4C25C-085E-4340-85A3-A5531E510DB2}">
-      <thm15:themeFamily xmlns="" xmlns:thm15="http://schemas.microsoft.com/office/thememl/2012/main" name="Office Theme" id="{62F939B6-93AF-4DB8-9C6B-D6C7DFDC589F}" vid="{4A3C46E8-61CC-4603-A589-7422A47A8E4A}"/>
+      <thm15:themeFamily xmlns:thm15="http://schemas.microsoft.com/office/thememl/2012/main" xmlns="" name="Office Theme" id="{62F939B6-93AF-4DB8-9C6B-D6C7DFDC589F}" vid="{4A3C46E8-61CC-4603-A589-7422A47A8E4A}"/>
     </a:ext>
   </a:extLst>
 </a:theme>

--- a/Complimentary Course Content/Module3/Lessons/Module3_Lesson03 C# Fundamentals.pptx
+++ b/Complimentary Course Content/Module3/Lessons/Module3_Lesson03 C# Fundamentals.pptx
@@ -139,7 +139,7 @@
   </p:defaultTextStyle>
   <p:extLst>
     <p:ext uri="{EFAFB233-063F-42B5-8137-9DF3F51BA10A}">
-      <p15:sldGuideLst xmlns="" xmlns:p15="http://schemas.microsoft.com/office/powerpoint/2012/main">
+      <p15:sldGuideLst xmlns:p15="http://schemas.microsoft.com/office/powerpoint/2012/main">
         <p15:guide id="1" orient="horz" pos="2160">
           <p15:clr>
             <a:srgbClr val="A4A3A4"/>
@@ -247,7 +247,7 @@
           <a:p>
             <a:fld id="{49B60EF2-7028-489F-85D8-FE86CD7CF2A0}" type="datetimeFigureOut">
               <a:rPr lang="en-US" smtClean="0"/>
-              <a:t>7/7/16</a:t>
+              <a:t>9/9/16</a:t>
             </a:fld>
             <a:endParaRPr lang="en-US"/>
           </a:p>
@@ -558,6 +558,117 @@
           <a:bodyPr/>
           <a:lstStyle/>
           <a:p>
+            <a:r>
+              <a:rPr lang="en-US" sz="1200" b="0" i="0" kern="1200" dirty="0" smtClean="0">
+                <a:solidFill>
+                  <a:schemeClr val="tx1"/>
+                </a:solidFill>
+                <a:effectLst/>
+                <a:latin typeface="+mn-lt"/>
+                <a:ea typeface="+mn-ea"/>
+                <a:cs typeface="+mn-cs"/>
+              </a:rPr>
+              <a:t>Images and excerpts from </a:t>
+            </a:r>
+            <a:r>
+              <a:rPr lang="en-US" sz="1200" b="0" i="1" kern="1200" dirty="0" err="1" smtClean="0">
+                <a:solidFill>
+                  <a:schemeClr val="tx1"/>
+                </a:solidFill>
+                <a:effectLst/>
+                <a:latin typeface="+mn-lt"/>
+                <a:ea typeface="+mn-ea"/>
+                <a:cs typeface="+mn-cs"/>
+              </a:rPr>
+              <a:t>Xamarin</a:t>
+            </a:r>
+            <a:r>
+              <a:rPr lang="en-US" sz="1200" b="0" i="1" kern="1200" dirty="0" smtClean="0">
+                <a:solidFill>
+                  <a:schemeClr val="tx1"/>
+                </a:solidFill>
+                <a:effectLst/>
+                <a:latin typeface="+mn-lt"/>
+                <a:ea typeface="+mn-ea"/>
+                <a:cs typeface="+mn-cs"/>
+              </a:rPr>
+              <a:t> Mobile Application Development </a:t>
+            </a:r>
+            <a:r>
+              <a:rPr lang="en-US" sz="1200" b="0" i="0" kern="1200" dirty="0" smtClean="0">
+                <a:solidFill>
+                  <a:schemeClr val="tx1"/>
+                </a:solidFill>
+                <a:effectLst/>
+                <a:latin typeface="+mn-lt"/>
+                <a:ea typeface="+mn-ea"/>
+                <a:cs typeface="+mn-cs"/>
+              </a:rPr>
+              <a:t>by Dan Hermes, published by </a:t>
+            </a:r>
+            <a:r>
+              <a:rPr lang="en-US" sz="1200" b="0" i="0" kern="1200" dirty="0" err="1" smtClean="0">
+                <a:solidFill>
+                  <a:schemeClr val="tx1"/>
+                </a:solidFill>
+                <a:effectLst/>
+                <a:latin typeface="+mn-lt"/>
+                <a:ea typeface="+mn-ea"/>
+                <a:cs typeface="+mn-cs"/>
+              </a:rPr>
+              <a:t>Apress</a:t>
+            </a:r>
+            <a:r>
+              <a:rPr lang="en-US" sz="1200" b="0" i="0" kern="1200" dirty="0" smtClean="0">
+                <a:solidFill>
+                  <a:schemeClr val="tx1"/>
+                </a:solidFill>
+                <a:effectLst/>
+                <a:latin typeface="+mn-lt"/>
+                <a:ea typeface="+mn-ea"/>
+                <a:cs typeface="+mn-cs"/>
+              </a:rPr>
+              <a:t>  </a:t>
+            </a:r>
+          </a:p>
+          <a:p>
+            <a:r>
+              <a:rPr lang="en-US" sz="1200" b="0" i="0" kern="1200" dirty="0" smtClean="0">
+                <a:solidFill>
+                  <a:schemeClr val="tx1"/>
+                </a:solidFill>
+                <a:effectLst/>
+                <a:latin typeface="+mn-lt"/>
+                <a:ea typeface="+mn-ea"/>
+                <a:cs typeface="+mn-cs"/>
+                <a:hlinkClick r:id="rId3"/>
+              </a:rPr>
+              <a:t>http://www.mobilecsharpcafe.com/xamarin</a:t>
+            </a:r>
+            <a:r>
+              <a:rPr lang="en-US" sz="1200" b="0" i="0" kern="1200" smtClean="0">
+                <a:solidFill>
+                  <a:schemeClr val="tx1"/>
+                </a:solidFill>
+                <a:effectLst/>
+                <a:latin typeface="+mn-lt"/>
+                <a:ea typeface="+mn-ea"/>
+                <a:cs typeface="+mn-cs"/>
+                <a:hlinkClick r:id="rId3"/>
+              </a:rPr>
+              <a:t>-book/</a:t>
+            </a:r>
+            <a:endParaRPr lang="en-US" sz="1200" b="0" i="0" kern="1200" smtClean="0">
+              <a:solidFill>
+                <a:schemeClr val="tx1"/>
+              </a:solidFill>
+              <a:effectLst/>
+              <a:latin typeface="+mn-lt"/>
+              <a:ea typeface="+mn-ea"/>
+              <a:cs typeface="+mn-cs"/>
+            </a:endParaRPr>
+          </a:p>
+          <a:p>
             <a:endParaRPr lang="en-US" dirty="0"/>
           </a:p>
         </p:txBody>
@@ -7975,7 +8086,7 @@
           <a:p>
             <a:fld id="{0459C166-16D3-4A25-A2F8-C51E0E346B22}" type="datetimeFigureOut">
               <a:rPr lang="en-US" smtClean="0"/>
-              <a:t>7/7/16</a:t>
+              <a:t>9/9/16</a:t>
             </a:fld>
             <a:endParaRPr lang="en-US"/>
           </a:p>
@@ -8342,7 +8453,7 @@
           <a:p>
             <a:fld id="{0459C166-16D3-4A25-A2F8-C51E0E346B22}" type="datetimeFigureOut">
               <a:rPr lang="en-US" smtClean="0"/>
-              <a:t>7/7/16</a:t>
+              <a:t>9/9/16</a:t>
             </a:fld>
             <a:endParaRPr lang="en-US"/>
           </a:p>
@@ -8460,7 +8571,7 @@
           <a:p>
             <a:fld id="{0459C166-16D3-4A25-A2F8-C51E0E346B22}" type="datetimeFigureOut">
               <a:rPr lang="en-US" smtClean="0"/>
-              <a:t>7/7/16</a:t>
+              <a:t>9/9/16</a:t>
             </a:fld>
             <a:endParaRPr lang="en-US"/>
           </a:p>
@@ -8759,7 +8870,7 @@
           <a:p>
             <a:fld id="{0459C166-16D3-4A25-A2F8-C51E0E346B22}" type="datetimeFigureOut">
               <a:rPr lang="en-US" smtClean="0"/>
-              <a:t>7/7/16</a:t>
+              <a:t>9/9/16</a:t>
             </a:fld>
             <a:endParaRPr lang="en-US"/>
           </a:p>
@@ -9151,7 +9262,7 @@
           <a:p>
             <a:fld id="{0459C166-16D3-4A25-A2F8-C51E0E346B22}" type="datetimeFigureOut">
               <a:rPr lang="en-US" smtClean="0"/>
-              <a:t>7/7/16</a:t>
+              <a:t>9/9/16</a:t>
             </a:fld>
             <a:endParaRPr lang="en-US"/>
           </a:p>
@@ -10053,7 +10164,7 @@
           <a:p>
             <a:fld id="{0459C166-16D3-4A25-A2F8-C51E0E346B22}" type="datetimeFigureOut">
               <a:rPr lang="en-US" smtClean="0"/>
-              <a:t>7/7/16</a:t>
+              <a:t>9/9/16</a:t>
             </a:fld>
             <a:endParaRPr lang="en-US"/>
           </a:p>
@@ -10318,7 +10429,7 @@
             <a:fld id="{0459C166-16D3-4A25-A2F8-C51E0E346B22}" type="datetimeFigureOut">
               <a:rPr lang="en-US" smtClean="0"/>
               <a:pPr/>
-              <a:t>7/7/16</a:t>
+              <a:t>9/9/16</a:t>
             </a:fld>
             <a:endParaRPr lang="en-US"/>
           </a:p>
@@ -10637,7 +10748,7 @@
           <a:p>
             <a:fld id="{0459C166-16D3-4A25-A2F8-C51E0E346B22}" type="datetimeFigureOut">
               <a:rPr lang="en-US" smtClean="0"/>
-              <a:t>7/7/16</a:t>
+              <a:t>9/9/16</a:t>
             </a:fld>
             <a:endParaRPr lang="en-US"/>
           </a:p>
@@ -11211,7 +11322,7 @@
           <a:p>
             <a:fld id="{0459C166-16D3-4A25-A2F8-C51E0E346B22}" type="datetimeFigureOut">
               <a:rPr lang="en-US" smtClean="0"/>
-              <a:t>7/7/16</a:t>
+              <a:t>9/9/16</a:t>
             </a:fld>
             <a:endParaRPr lang="en-US"/>
           </a:p>
@@ -12358,7 +12469,7 @@
           <a:p>
             <a:fld id="{0459C166-16D3-4A25-A2F8-C51E0E346B22}" type="datetimeFigureOut">
               <a:rPr lang="en-US" smtClean="0"/>
-              <a:t>7/7/16</a:t>
+              <a:t>9/9/16</a:t>
             </a:fld>
             <a:endParaRPr lang="en-US"/>
           </a:p>
@@ -12570,7 +12681,7 @@
           <a:p>
             <a:fld id="{0459C166-16D3-4A25-A2F8-C51E0E346B22}" type="datetimeFigureOut">
               <a:rPr lang="en-US" smtClean="0"/>
-              <a:t>7/7/16</a:t>
+              <a:t>9/9/16</a:t>
             </a:fld>
             <a:endParaRPr lang="en-US"/>
           </a:p>
@@ -18400,14 +18511,14 @@
                 <a:gridCol w="2113439">
                   <a:extLst>
                     <a:ext uri="{9D8B030D-6E8A-4147-A177-3AD203B41FA5}">
-                      <a16:colId xmlns="" xmlns:a16="http://schemas.microsoft.com/office/drawing/2014/main" val="48614039"/>
+                      <a16:colId xmlns:a16="http://schemas.microsoft.com/office/drawing/2014/main" xmlns="" val="48614039"/>
                     </a:ext>
                   </a:extLst>
                 </a:gridCol>
                 <a:gridCol w="3218361">
                   <a:extLst>
                     <a:ext uri="{9D8B030D-6E8A-4147-A177-3AD203B41FA5}">
-                      <a16:colId xmlns="" xmlns:a16="http://schemas.microsoft.com/office/drawing/2014/main" val="1124546490"/>
+                      <a16:colId xmlns:a16="http://schemas.microsoft.com/office/drawing/2014/main" xmlns="" val="1124546490"/>
                     </a:ext>
                   </a:extLst>
                 </a:gridCol>
@@ -18451,7 +18562,7 @@
                 </a:tc>
                 <a:extLst>
                   <a:ext uri="{0D108BD9-81ED-4DB2-BD59-A6C34878D82A}">
-                    <a16:rowId xmlns="" xmlns:a16="http://schemas.microsoft.com/office/drawing/2014/main" val="679667022"/>
+                    <a16:rowId xmlns:a16="http://schemas.microsoft.com/office/drawing/2014/main" xmlns="" val="679667022"/>
                   </a:ext>
                 </a:extLst>
               </a:tr>
@@ -18513,7 +18624,7 @@
                 </a:tc>
                 <a:extLst>
                   <a:ext uri="{0D108BD9-81ED-4DB2-BD59-A6C34878D82A}">
-                    <a16:rowId xmlns="" xmlns:a16="http://schemas.microsoft.com/office/drawing/2014/main" val="2034482246"/>
+                    <a16:rowId xmlns:a16="http://schemas.microsoft.com/office/drawing/2014/main" xmlns="" val="2034482246"/>
                   </a:ext>
                 </a:extLst>
               </a:tr>
@@ -18558,7 +18669,7 @@
                 </a:tc>
                 <a:extLst>
                   <a:ext uri="{0D108BD9-81ED-4DB2-BD59-A6C34878D82A}">
-                    <a16:rowId xmlns="" xmlns:a16="http://schemas.microsoft.com/office/drawing/2014/main" val="682465758"/>
+                    <a16:rowId xmlns:a16="http://schemas.microsoft.com/office/drawing/2014/main" xmlns="" val="682465758"/>
                   </a:ext>
                 </a:extLst>
               </a:tr>
@@ -18603,7 +18714,7 @@
                 </a:tc>
                 <a:extLst>
                   <a:ext uri="{0D108BD9-81ED-4DB2-BD59-A6C34878D82A}">
-                    <a16:rowId xmlns="" xmlns:a16="http://schemas.microsoft.com/office/drawing/2014/main" val="3789197842"/>
+                    <a16:rowId xmlns:a16="http://schemas.microsoft.com/office/drawing/2014/main" xmlns="" val="3789197842"/>
                   </a:ext>
                 </a:extLst>
               </a:tr>
@@ -18658,7 +18769,7 @@
                 </a:tc>
                 <a:extLst>
                   <a:ext uri="{0D108BD9-81ED-4DB2-BD59-A6C34878D82A}">
-                    <a16:rowId xmlns="" xmlns:a16="http://schemas.microsoft.com/office/drawing/2014/main" val="260802120"/>
+                    <a16:rowId xmlns:a16="http://schemas.microsoft.com/office/drawing/2014/main" xmlns="" val="260802120"/>
                   </a:ext>
                 </a:extLst>
               </a:tr>
@@ -18703,7 +18814,7 @@
                 </a:tc>
                 <a:extLst>
                   <a:ext uri="{0D108BD9-81ED-4DB2-BD59-A6C34878D82A}">
-                    <a16:rowId xmlns="" xmlns:a16="http://schemas.microsoft.com/office/drawing/2014/main" val="3288962197"/>
+                    <a16:rowId xmlns:a16="http://schemas.microsoft.com/office/drawing/2014/main" xmlns="" val="3288962197"/>
                   </a:ext>
                 </a:extLst>
               </a:tr>
@@ -18748,7 +18859,7 @@
                 </a:tc>
                 <a:extLst>
                   <a:ext uri="{0D108BD9-81ED-4DB2-BD59-A6C34878D82A}">
-                    <a16:rowId xmlns="" xmlns:a16="http://schemas.microsoft.com/office/drawing/2014/main" val="2257052488"/>
+                    <a16:rowId xmlns:a16="http://schemas.microsoft.com/office/drawing/2014/main" xmlns="" val="2257052488"/>
                   </a:ext>
                 </a:extLst>
               </a:tr>
@@ -18793,7 +18904,7 @@
                 </a:tc>
                 <a:extLst>
                   <a:ext uri="{0D108BD9-81ED-4DB2-BD59-A6C34878D82A}">
-                    <a16:rowId xmlns="" xmlns:a16="http://schemas.microsoft.com/office/drawing/2014/main" val="1071372612"/>
+                    <a16:rowId xmlns:a16="http://schemas.microsoft.com/office/drawing/2014/main" xmlns="" val="1071372612"/>
                   </a:ext>
                 </a:extLst>
               </a:tr>
@@ -18843,7 +18954,7 @@
                 </a:tc>
                 <a:extLst>
                   <a:ext uri="{0D108BD9-81ED-4DB2-BD59-A6C34878D82A}">
-                    <a16:rowId xmlns="" xmlns:a16="http://schemas.microsoft.com/office/drawing/2014/main" val="1426172452"/>
+                    <a16:rowId xmlns:a16="http://schemas.microsoft.com/office/drawing/2014/main" xmlns="" val="1426172452"/>
                   </a:ext>
                 </a:extLst>
               </a:tr>
@@ -18893,7 +19004,7 @@
                 </a:tc>
                 <a:extLst>
                   <a:ext uri="{0D108BD9-81ED-4DB2-BD59-A6C34878D82A}">
-                    <a16:rowId xmlns="" xmlns:a16="http://schemas.microsoft.com/office/drawing/2014/main" val="2492553239"/>
+                    <a16:rowId xmlns:a16="http://schemas.microsoft.com/office/drawing/2014/main" xmlns="" val="2492553239"/>
                   </a:ext>
                 </a:extLst>
               </a:tr>
@@ -18929,14 +19040,14 @@
                 <a:gridCol w="2065568">
                   <a:extLst>
                     <a:ext uri="{9D8B030D-6E8A-4147-A177-3AD203B41FA5}">
-                      <a16:colId xmlns="" xmlns:a16="http://schemas.microsoft.com/office/drawing/2014/main" val="48614039"/>
+                      <a16:colId xmlns:a16="http://schemas.microsoft.com/office/drawing/2014/main" xmlns="" val="48614039"/>
                     </a:ext>
                   </a:extLst>
                 </a:gridCol>
                 <a:gridCol w="3145462">
                   <a:extLst>
                     <a:ext uri="{9D8B030D-6E8A-4147-A177-3AD203B41FA5}">
-                      <a16:colId xmlns="" xmlns:a16="http://schemas.microsoft.com/office/drawing/2014/main" val="1124546490"/>
+                      <a16:colId xmlns:a16="http://schemas.microsoft.com/office/drawing/2014/main" xmlns="" val="1124546490"/>
                     </a:ext>
                   </a:extLst>
                 </a:gridCol>
@@ -18980,7 +19091,7 @@
                 </a:tc>
                 <a:extLst>
                   <a:ext uri="{0D108BD9-81ED-4DB2-BD59-A6C34878D82A}">
-                    <a16:rowId xmlns="" xmlns:a16="http://schemas.microsoft.com/office/drawing/2014/main" val="679667022"/>
+                    <a16:rowId xmlns:a16="http://schemas.microsoft.com/office/drawing/2014/main" xmlns="" val="679667022"/>
                   </a:ext>
                 </a:extLst>
               </a:tr>
@@ -19042,7 +19153,7 @@
                 </a:tc>
                 <a:extLst>
                   <a:ext uri="{0D108BD9-81ED-4DB2-BD59-A6C34878D82A}">
-                    <a16:rowId xmlns="" xmlns:a16="http://schemas.microsoft.com/office/drawing/2014/main" val="3565006413"/>
+                    <a16:rowId xmlns:a16="http://schemas.microsoft.com/office/drawing/2014/main" xmlns="" val="3565006413"/>
                   </a:ext>
                 </a:extLst>
               </a:tr>
@@ -19109,7 +19220,7 @@
                 </a:tc>
                 <a:extLst>
                   <a:ext uri="{0D108BD9-81ED-4DB2-BD59-A6C34878D82A}">
-                    <a16:rowId xmlns="" xmlns:a16="http://schemas.microsoft.com/office/drawing/2014/main" val="2034482246"/>
+                    <a16:rowId xmlns:a16="http://schemas.microsoft.com/office/drawing/2014/main" xmlns="" val="2034482246"/>
                   </a:ext>
                 </a:extLst>
               </a:tr>
@@ -19154,7 +19265,7 @@
                 </a:tc>
                 <a:extLst>
                   <a:ext uri="{0D108BD9-81ED-4DB2-BD59-A6C34878D82A}">
-                    <a16:rowId xmlns="" xmlns:a16="http://schemas.microsoft.com/office/drawing/2014/main" val="682465758"/>
+                    <a16:rowId xmlns:a16="http://schemas.microsoft.com/office/drawing/2014/main" xmlns="" val="682465758"/>
                   </a:ext>
                 </a:extLst>
               </a:tr>
@@ -19204,7 +19315,7 @@
                 </a:tc>
                 <a:extLst>
                   <a:ext uri="{0D108BD9-81ED-4DB2-BD59-A6C34878D82A}">
-                    <a16:rowId xmlns="" xmlns:a16="http://schemas.microsoft.com/office/drawing/2014/main" val="3789197842"/>
+                    <a16:rowId xmlns:a16="http://schemas.microsoft.com/office/drawing/2014/main" xmlns="" val="3789197842"/>
                   </a:ext>
                 </a:extLst>
               </a:tr>
@@ -19254,7 +19365,7 @@
                 </a:tc>
                 <a:extLst>
                   <a:ext uri="{0D108BD9-81ED-4DB2-BD59-A6C34878D82A}">
-                    <a16:rowId xmlns="" xmlns:a16="http://schemas.microsoft.com/office/drawing/2014/main" val="260802120"/>
+                    <a16:rowId xmlns:a16="http://schemas.microsoft.com/office/drawing/2014/main" xmlns="" val="260802120"/>
                   </a:ext>
                 </a:extLst>
               </a:tr>
@@ -19304,7 +19415,7 @@
                 </a:tc>
                 <a:extLst>
                   <a:ext uri="{0D108BD9-81ED-4DB2-BD59-A6C34878D82A}">
-                    <a16:rowId xmlns="" xmlns:a16="http://schemas.microsoft.com/office/drawing/2014/main" val="3288962197"/>
+                    <a16:rowId xmlns:a16="http://schemas.microsoft.com/office/drawing/2014/main" xmlns="" val="3288962197"/>
                   </a:ext>
                 </a:extLst>
               </a:tr>
@@ -19349,7 +19460,7 @@
                 </a:tc>
                 <a:extLst>
                   <a:ext uri="{0D108BD9-81ED-4DB2-BD59-A6C34878D82A}">
-                    <a16:rowId xmlns="" xmlns:a16="http://schemas.microsoft.com/office/drawing/2014/main" val="2257052488"/>
+                    <a16:rowId xmlns:a16="http://schemas.microsoft.com/office/drawing/2014/main" xmlns="" val="2257052488"/>
                   </a:ext>
                 </a:extLst>
               </a:tr>
@@ -19394,7 +19505,7 @@
                 </a:tc>
                 <a:extLst>
                   <a:ext uri="{0D108BD9-81ED-4DB2-BD59-A6C34878D82A}">
-                    <a16:rowId xmlns="" xmlns:a16="http://schemas.microsoft.com/office/drawing/2014/main" val="1071372612"/>
+                    <a16:rowId xmlns:a16="http://schemas.microsoft.com/office/drawing/2014/main" xmlns="" val="1071372612"/>
                   </a:ext>
                 </a:extLst>
               </a:tr>
@@ -22354,14 +22465,14 @@
                 <a:gridCol w="3711597">
                   <a:extLst>
                     <a:ext uri="{9D8B030D-6E8A-4147-A177-3AD203B41FA5}">
-                      <a16:colId xmlns="" xmlns:a16="http://schemas.microsoft.com/office/drawing/2014/main" val="48614039"/>
+                      <a16:colId xmlns:a16="http://schemas.microsoft.com/office/drawing/2014/main" xmlns="" val="48614039"/>
                     </a:ext>
                   </a:extLst>
                 </a:gridCol>
                 <a:gridCol w="5652046">
                   <a:extLst>
                     <a:ext uri="{9D8B030D-6E8A-4147-A177-3AD203B41FA5}">
-                      <a16:colId xmlns="" xmlns:a16="http://schemas.microsoft.com/office/drawing/2014/main" val="1124546490"/>
+                      <a16:colId xmlns:a16="http://schemas.microsoft.com/office/drawing/2014/main" xmlns="" val="1124546490"/>
                     </a:ext>
                   </a:extLst>
                 </a:gridCol>
@@ -22411,7 +22522,7 @@
                 </a:tc>
                 <a:extLst>
                   <a:ext uri="{0D108BD9-81ED-4DB2-BD59-A6C34878D82A}">
-                    <a16:rowId xmlns="" xmlns:a16="http://schemas.microsoft.com/office/drawing/2014/main" val="679667022"/>
+                    <a16:rowId xmlns:a16="http://schemas.microsoft.com/office/drawing/2014/main" xmlns="" val="679667022"/>
                   </a:ext>
                 </a:extLst>
               </a:tr>
@@ -22497,7 +22608,7 @@
                 </a:tc>
                 <a:extLst>
                   <a:ext uri="{0D108BD9-81ED-4DB2-BD59-A6C34878D82A}">
-                    <a16:rowId xmlns="" xmlns:a16="http://schemas.microsoft.com/office/drawing/2014/main" val="3565006413"/>
+                    <a16:rowId xmlns:a16="http://schemas.microsoft.com/office/drawing/2014/main" xmlns="" val="3565006413"/>
                   </a:ext>
                 </a:extLst>
               </a:tr>
@@ -22560,7 +22671,7 @@
                 </a:tc>
                 <a:extLst>
                   <a:ext uri="{0D108BD9-81ED-4DB2-BD59-A6C34878D82A}">
-                    <a16:rowId xmlns="" xmlns:a16="http://schemas.microsoft.com/office/drawing/2014/main" val="2034482246"/>
+                    <a16:rowId xmlns:a16="http://schemas.microsoft.com/office/drawing/2014/main" xmlns="" val="2034482246"/>
                   </a:ext>
                 </a:extLst>
               </a:tr>
@@ -22638,7 +22749,7 @@
                 </a:tc>
                 <a:extLst>
                   <a:ext uri="{0D108BD9-81ED-4DB2-BD59-A6C34878D82A}">
-                    <a16:rowId xmlns="" xmlns:a16="http://schemas.microsoft.com/office/drawing/2014/main" val="682465758"/>
+                    <a16:rowId xmlns:a16="http://schemas.microsoft.com/office/drawing/2014/main" xmlns="" val="682465758"/>
                   </a:ext>
                 </a:extLst>
               </a:tr>
@@ -25480,7 +25591,7 @@
   <a:extraClrSchemeLst/>
   <a:extLst>
     <a:ext uri="{05A4C25C-085E-4340-85A3-A5531E510DB2}">
-      <thm15:themeFamily xmlns="" xmlns:thm15="http://schemas.microsoft.com/office/thememl/2012/main" name="Office Theme" id="{62F939B6-93AF-4DB8-9C6B-D6C7DFDC589F}" vid="{4A3C46E8-61CC-4603-A589-7422A47A8E4A}"/>
+      <thm15:themeFamily xmlns:thm15="http://schemas.microsoft.com/office/thememl/2012/main" name="Office Theme" id="{62F939B6-93AF-4DB8-9C6B-D6C7DFDC589F}" vid="{4A3C46E8-61CC-4603-A589-7422A47A8E4A}"/>
     </a:ext>
   </a:extLst>
 </a:theme>
@@ -25775,7 +25886,7 @@
   <a:extraClrSchemeLst/>
   <a:extLst>
     <a:ext uri="{05A4C25C-085E-4340-85A3-A5531E510DB2}">
-      <thm15:themeFamily xmlns="" xmlns:thm15="http://schemas.microsoft.com/office/thememl/2012/main" name="Office Theme" id="{62F939B6-93AF-4DB8-9C6B-D6C7DFDC589F}" vid="{4A3C46E8-61CC-4603-A589-7422A47A8E4A}"/>
+      <thm15:themeFamily xmlns:thm15="http://schemas.microsoft.com/office/thememl/2012/main" name="Office Theme" id="{62F939B6-93AF-4DB8-9C6B-D6C7DFDC589F}" vid="{4A3C46E8-61CC-4603-A589-7422A47A8E4A}"/>
     </a:ext>
   </a:extLst>
 </a:theme>
